--- a/141B presentation mar 17th.pptx
+++ b/141B presentation mar 17th.pptx
@@ -11,7 +11,7 @@
     <p:sldId id="279" r:id="rId2"/>
     <p:sldId id="541" r:id="rId3"/>
     <p:sldId id="382" r:id="rId4"/>
-    <p:sldId id="534" r:id="rId5"/>
+    <p:sldId id="546" r:id="rId5"/>
     <p:sldId id="529" r:id="rId6"/>
     <p:sldId id="535" r:id="rId7"/>
     <p:sldId id="537" r:id="rId8"/>
@@ -5534,7 +5534,7 @@
           <a:noFill/>
           <a:extLst>
             <a:ext uri="{909E8E84-426E-40dd-AFC4-6F175D3DCCD1}">
-              <a14:hiddenFill xmlns:a14="http://schemas.microsoft.com/office/drawing/2010/main" xmlns="">
+              <a14:hiddenFill xmlns="" xmlns:a14="http://schemas.microsoft.com/office/drawing/2010/main">
                 <a:solidFill>
                   <a:srgbClr val="FFFFFF"/>
                 </a:solidFill>
@@ -5575,7 +5575,7 @@
           <a:noFill/>
           <a:extLst>
             <a:ext uri="{909E8E84-426E-40dd-AFC4-6F175D3DCCD1}">
-              <a14:hiddenFill xmlns:a14="http://schemas.microsoft.com/office/drawing/2010/main" xmlns="">
+              <a14:hiddenFill xmlns="" xmlns:a14="http://schemas.microsoft.com/office/drawing/2010/main">
                 <a:solidFill>
                   <a:srgbClr val="FFFFFF"/>
                 </a:solidFill>
@@ -5616,7 +5616,7 @@
           <a:noFill/>
           <a:extLst>
             <a:ext uri="{909E8E84-426E-40dd-AFC4-6F175D3DCCD1}">
-              <a14:hiddenFill xmlns:a14="http://schemas.microsoft.com/office/drawing/2010/main" xmlns="">
+              <a14:hiddenFill xmlns="" xmlns:a14="http://schemas.microsoft.com/office/drawing/2010/main">
                 <a:solidFill>
                   <a:srgbClr val="FFFFFF"/>
                 </a:solidFill>
@@ -6747,653 +6747,6 @@
   <p:transition>
     <p:wipe dir="r"/>
   </p:transition>
-  <p:timing>
-    <p:tnLst>
-      <p:par>
-        <p:cTn id="1" dur="indefinite" restart="never" nodeType="tmRoot">
-          <p:childTnLst>
-            <p:seq concurrent="1" nextAc="seek">
-              <p:cTn id="2" dur="indefinite" nodeType="mainSeq">
-                <p:childTnLst>
-                  <p:par>
-                    <p:cTn id="3" fill="hold">
-                      <p:stCondLst>
-                        <p:cond delay="indefinite"/>
-                      </p:stCondLst>
-                      <p:childTnLst>
-                        <p:par>
-                          <p:cTn id="4" fill="hold">
-                            <p:stCondLst>
-                              <p:cond delay="0"/>
-                            </p:stCondLst>
-                            <p:childTnLst>
-                              <p:par>
-                                <p:cTn id="5" presetID="2" presetClass="entr" presetSubtype="8" fill="hold" nodeType="clickEffect">
-                                  <p:stCondLst>
-                                    <p:cond delay="0"/>
-                                  </p:stCondLst>
-                                  <p:childTnLst>
-                                    <p:set>
-                                      <p:cBhvr>
-                                        <p:cTn id="6" dur="1" fill="hold">
-                                          <p:stCondLst>
-                                            <p:cond delay="0"/>
-                                          </p:stCondLst>
-                                        </p:cTn>
-                                        <p:tgtEl>
-                                          <p:spTgt spid="46090"/>
-                                        </p:tgtEl>
-                                        <p:attrNameLst>
-                                          <p:attrName>style.visibility</p:attrName>
-                                        </p:attrNameLst>
-                                      </p:cBhvr>
-                                      <p:to>
-                                        <p:strVal val="visible"/>
-                                      </p:to>
-                                    </p:set>
-                                    <p:anim calcmode="lin" valueType="num">
-                                      <p:cBhvr additive="base">
-                                        <p:cTn id="7" dur="500" fill="hold"/>
-                                        <p:tgtEl>
-                                          <p:spTgt spid="46090"/>
-                                        </p:tgtEl>
-                                        <p:attrNameLst>
-                                          <p:attrName>ppt_x</p:attrName>
-                                        </p:attrNameLst>
-                                      </p:cBhvr>
-                                      <p:tavLst>
-                                        <p:tav tm="0">
-                                          <p:val>
-                                            <p:strVal val="0-#ppt_w/2"/>
-                                          </p:val>
-                                        </p:tav>
-                                        <p:tav tm="100000">
-                                          <p:val>
-                                            <p:strVal val="#ppt_x"/>
-                                          </p:val>
-                                        </p:tav>
-                                      </p:tavLst>
-                                    </p:anim>
-                                    <p:anim calcmode="lin" valueType="num">
-                                      <p:cBhvr additive="base">
-                                        <p:cTn id="8" dur="500" fill="hold"/>
-                                        <p:tgtEl>
-                                          <p:spTgt spid="46090"/>
-                                        </p:tgtEl>
-                                        <p:attrNameLst>
-                                          <p:attrName>ppt_y</p:attrName>
-                                        </p:attrNameLst>
-                                      </p:cBhvr>
-                                      <p:tavLst>
-                                        <p:tav tm="0">
-                                          <p:val>
-                                            <p:strVal val="#ppt_y"/>
-                                          </p:val>
-                                        </p:tav>
-                                        <p:tav tm="100000">
-                                          <p:val>
-                                            <p:strVal val="#ppt_y"/>
-                                          </p:val>
-                                        </p:tav>
-                                      </p:tavLst>
-                                    </p:anim>
-                                  </p:childTnLst>
-                                </p:cTn>
-                              </p:par>
-                            </p:childTnLst>
-                          </p:cTn>
-                        </p:par>
-                        <p:par>
-                          <p:cTn id="9" fill="hold">
-                            <p:stCondLst>
-                              <p:cond delay="500"/>
-                            </p:stCondLst>
-                            <p:childTnLst>
-                              <p:par>
-                                <p:cTn id="10" presetID="2" presetClass="entr" presetSubtype="8" fill="hold" grpId="0" nodeType="afterEffect">
-                                  <p:stCondLst>
-                                    <p:cond delay="0"/>
-                                  </p:stCondLst>
-                                  <p:childTnLst>
-                                    <p:set>
-                                      <p:cBhvr>
-                                        <p:cTn id="11" dur="1" fill="hold">
-                                          <p:stCondLst>
-                                            <p:cond delay="0"/>
-                                          </p:stCondLst>
-                                        </p:cTn>
-                                        <p:tgtEl>
-                                          <p:spTgt spid="46091"/>
-                                        </p:tgtEl>
-                                        <p:attrNameLst>
-                                          <p:attrName>style.visibility</p:attrName>
-                                        </p:attrNameLst>
-                                      </p:cBhvr>
-                                      <p:to>
-                                        <p:strVal val="visible"/>
-                                      </p:to>
-                                    </p:set>
-                                    <p:anim calcmode="lin" valueType="num">
-                                      <p:cBhvr additive="base">
-                                        <p:cTn id="12" dur="500" fill="hold"/>
-                                        <p:tgtEl>
-                                          <p:spTgt spid="46091"/>
-                                        </p:tgtEl>
-                                        <p:attrNameLst>
-                                          <p:attrName>ppt_x</p:attrName>
-                                        </p:attrNameLst>
-                                      </p:cBhvr>
-                                      <p:tavLst>
-                                        <p:tav tm="0">
-                                          <p:val>
-                                            <p:strVal val="0-#ppt_w/2"/>
-                                          </p:val>
-                                        </p:tav>
-                                        <p:tav tm="100000">
-                                          <p:val>
-                                            <p:strVal val="#ppt_x"/>
-                                          </p:val>
-                                        </p:tav>
-                                      </p:tavLst>
-                                    </p:anim>
-                                    <p:anim calcmode="lin" valueType="num">
-                                      <p:cBhvr additive="base">
-                                        <p:cTn id="13" dur="500" fill="hold"/>
-                                        <p:tgtEl>
-                                          <p:spTgt spid="46091"/>
-                                        </p:tgtEl>
-                                        <p:attrNameLst>
-                                          <p:attrName>ppt_y</p:attrName>
-                                        </p:attrNameLst>
-                                      </p:cBhvr>
-                                      <p:tavLst>
-                                        <p:tav tm="0">
-                                          <p:val>
-                                            <p:strVal val="#ppt_y"/>
-                                          </p:val>
-                                        </p:tav>
-                                        <p:tav tm="100000">
-                                          <p:val>
-                                            <p:strVal val="#ppt_y"/>
-                                          </p:val>
-                                        </p:tav>
-                                      </p:tavLst>
-                                    </p:anim>
-                                  </p:childTnLst>
-                                </p:cTn>
-                              </p:par>
-                            </p:childTnLst>
-                          </p:cTn>
-                        </p:par>
-                      </p:childTnLst>
-                    </p:cTn>
-                  </p:par>
-                  <p:par>
-                    <p:cTn id="14" fill="hold">
-                      <p:stCondLst>
-                        <p:cond delay="indefinite"/>
-                      </p:stCondLst>
-                      <p:childTnLst>
-                        <p:par>
-                          <p:cTn id="15" fill="hold">
-                            <p:stCondLst>
-                              <p:cond delay="0"/>
-                            </p:stCondLst>
-                            <p:childTnLst>
-                              <p:par>
-                                <p:cTn id="16" presetID="2" presetClass="entr" presetSubtype="8" fill="hold" nodeType="clickEffect">
-                                  <p:stCondLst>
-                                    <p:cond delay="500"/>
-                                  </p:stCondLst>
-                                  <p:childTnLst>
-                                    <p:set>
-                                      <p:cBhvr>
-                                        <p:cTn id="17" dur="1" fill="hold">
-                                          <p:stCondLst>
-                                            <p:cond delay="0"/>
-                                          </p:stCondLst>
-                                        </p:cTn>
-                                        <p:tgtEl>
-                                          <p:spTgt spid="46092"/>
-                                        </p:tgtEl>
-                                        <p:attrNameLst>
-                                          <p:attrName>style.visibility</p:attrName>
-                                        </p:attrNameLst>
-                                      </p:cBhvr>
-                                      <p:to>
-                                        <p:strVal val="visible"/>
-                                      </p:to>
-                                    </p:set>
-                                    <p:anim calcmode="lin" valueType="num">
-                                      <p:cBhvr additive="base">
-                                        <p:cTn id="18" dur="500" fill="hold"/>
-                                        <p:tgtEl>
-                                          <p:spTgt spid="46092"/>
-                                        </p:tgtEl>
-                                        <p:attrNameLst>
-                                          <p:attrName>ppt_x</p:attrName>
-                                        </p:attrNameLst>
-                                      </p:cBhvr>
-                                      <p:tavLst>
-                                        <p:tav tm="0">
-                                          <p:val>
-                                            <p:strVal val="0-#ppt_w/2"/>
-                                          </p:val>
-                                        </p:tav>
-                                        <p:tav tm="100000">
-                                          <p:val>
-                                            <p:strVal val="#ppt_x"/>
-                                          </p:val>
-                                        </p:tav>
-                                      </p:tavLst>
-                                    </p:anim>
-                                    <p:anim calcmode="lin" valueType="num">
-                                      <p:cBhvr additive="base">
-                                        <p:cTn id="19" dur="500" fill="hold"/>
-                                        <p:tgtEl>
-                                          <p:spTgt spid="46092"/>
-                                        </p:tgtEl>
-                                        <p:attrNameLst>
-                                          <p:attrName>ppt_y</p:attrName>
-                                        </p:attrNameLst>
-                                      </p:cBhvr>
-                                      <p:tavLst>
-                                        <p:tav tm="0">
-                                          <p:val>
-                                            <p:strVal val="#ppt_y"/>
-                                          </p:val>
-                                        </p:tav>
-                                        <p:tav tm="100000">
-                                          <p:val>
-                                            <p:strVal val="#ppt_y"/>
-                                          </p:val>
-                                        </p:tav>
-                                      </p:tavLst>
-                                    </p:anim>
-                                  </p:childTnLst>
-                                </p:cTn>
-                              </p:par>
-                            </p:childTnLst>
-                          </p:cTn>
-                        </p:par>
-                        <p:par>
-                          <p:cTn id="20" fill="hold">
-                            <p:stCondLst>
-                              <p:cond delay="1000"/>
-                            </p:stCondLst>
-                            <p:childTnLst>
-                              <p:par>
-                                <p:cTn id="21" presetID="2" presetClass="entr" presetSubtype="8" fill="hold" grpId="0" nodeType="afterEffect">
-                                  <p:stCondLst>
-                                    <p:cond delay="0"/>
-                                  </p:stCondLst>
-                                  <p:childTnLst>
-                                    <p:set>
-                                      <p:cBhvr>
-                                        <p:cTn id="22" dur="1" fill="hold">
-                                          <p:stCondLst>
-                                            <p:cond delay="0"/>
-                                          </p:stCondLst>
-                                        </p:cTn>
-                                        <p:tgtEl>
-                                          <p:spTgt spid="46093"/>
-                                        </p:tgtEl>
-                                        <p:attrNameLst>
-                                          <p:attrName>style.visibility</p:attrName>
-                                        </p:attrNameLst>
-                                      </p:cBhvr>
-                                      <p:to>
-                                        <p:strVal val="visible"/>
-                                      </p:to>
-                                    </p:set>
-                                    <p:anim calcmode="lin" valueType="num">
-                                      <p:cBhvr additive="base">
-                                        <p:cTn id="23" dur="500" fill="hold"/>
-                                        <p:tgtEl>
-                                          <p:spTgt spid="46093"/>
-                                        </p:tgtEl>
-                                        <p:attrNameLst>
-                                          <p:attrName>ppt_x</p:attrName>
-                                        </p:attrNameLst>
-                                      </p:cBhvr>
-                                      <p:tavLst>
-                                        <p:tav tm="0">
-                                          <p:val>
-                                            <p:strVal val="0-#ppt_w/2"/>
-                                          </p:val>
-                                        </p:tav>
-                                        <p:tav tm="100000">
-                                          <p:val>
-                                            <p:strVal val="#ppt_x"/>
-                                          </p:val>
-                                        </p:tav>
-                                      </p:tavLst>
-                                    </p:anim>
-                                    <p:anim calcmode="lin" valueType="num">
-                                      <p:cBhvr additive="base">
-                                        <p:cTn id="24" dur="500" fill="hold"/>
-                                        <p:tgtEl>
-                                          <p:spTgt spid="46093"/>
-                                        </p:tgtEl>
-                                        <p:attrNameLst>
-                                          <p:attrName>ppt_y</p:attrName>
-                                        </p:attrNameLst>
-                                      </p:cBhvr>
-                                      <p:tavLst>
-                                        <p:tav tm="0">
-                                          <p:val>
-                                            <p:strVal val="#ppt_y"/>
-                                          </p:val>
-                                        </p:tav>
-                                        <p:tav tm="100000">
-                                          <p:val>
-                                            <p:strVal val="#ppt_y"/>
-                                          </p:val>
-                                        </p:tav>
-                                      </p:tavLst>
-                                    </p:anim>
-                                  </p:childTnLst>
-                                </p:cTn>
-                              </p:par>
-                            </p:childTnLst>
-                          </p:cTn>
-                        </p:par>
-                      </p:childTnLst>
-                    </p:cTn>
-                  </p:par>
-                  <p:par>
-                    <p:cTn id="25" fill="hold">
-                      <p:stCondLst>
-                        <p:cond delay="indefinite"/>
-                      </p:stCondLst>
-                      <p:childTnLst>
-                        <p:par>
-                          <p:cTn id="26" fill="hold">
-                            <p:stCondLst>
-                              <p:cond delay="0"/>
-                            </p:stCondLst>
-                            <p:childTnLst>
-                              <p:par>
-                                <p:cTn id="27" presetID="2" presetClass="entr" presetSubtype="8" fill="hold" nodeType="clickEffect">
-                                  <p:stCondLst>
-                                    <p:cond delay="0"/>
-                                  </p:stCondLst>
-                                  <p:childTnLst>
-                                    <p:set>
-                                      <p:cBhvr>
-                                        <p:cTn id="28" dur="1" fill="hold">
-                                          <p:stCondLst>
-                                            <p:cond delay="0"/>
-                                          </p:stCondLst>
-                                        </p:cTn>
-                                        <p:tgtEl>
-                                          <p:spTgt spid="46084"/>
-                                        </p:tgtEl>
-                                        <p:attrNameLst>
-                                          <p:attrName>style.visibility</p:attrName>
-                                        </p:attrNameLst>
-                                      </p:cBhvr>
-                                      <p:to>
-                                        <p:strVal val="visible"/>
-                                      </p:to>
-                                    </p:set>
-                                    <p:anim calcmode="lin" valueType="num">
-                                      <p:cBhvr additive="base">
-                                        <p:cTn id="29" dur="500" fill="hold"/>
-                                        <p:tgtEl>
-                                          <p:spTgt spid="46084"/>
-                                        </p:tgtEl>
-                                        <p:attrNameLst>
-                                          <p:attrName>ppt_x</p:attrName>
-                                        </p:attrNameLst>
-                                      </p:cBhvr>
-                                      <p:tavLst>
-                                        <p:tav tm="0">
-                                          <p:val>
-                                            <p:strVal val="0-#ppt_w/2"/>
-                                          </p:val>
-                                        </p:tav>
-                                        <p:tav tm="100000">
-                                          <p:val>
-                                            <p:strVal val="#ppt_x"/>
-                                          </p:val>
-                                        </p:tav>
-                                      </p:tavLst>
-                                    </p:anim>
-                                    <p:anim calcmode="lin" valueType="num">
-                                      <p:cBhvr additive="base">
-                                        <p:cTn id="30" dur="500" fill="hold"/>
-                                        <p:tgtEl>
-                                          <p:spTgt spid="46084"/>
-                                        </p:tgtEl>
-                                        <p:attrNameLst>
-                                          <p:attrName>ppt_y</p:attrName>
-                                        </p:attrNameLst>
-                                      </p:cBhvr>
-                                      <p:tavLst>
-                                        <p:tav tm="0">
-                                          <p:val>
-                                            <p:strVal val="#ppt_y"/>
-                                          </p:val>
-                                        </p:tav>
-                                        <p:tav tm="100000">
-                                          <p:val>
-                                            <p:strVal val="#ppt_y"/>
-                                          </p:val>
-                                        </p:tav>
-                                      </p:tavLst>
-                                    </p:anim>
-                                  </p:childTnLst>
-                                </p:cTn>
-                              </p:par>
-                            </p:childTnLst>
-                          </p:cTn>
-                        </p:par>
-                        <p:par>
-                          <p:cTn id="31" fill="hold">
-                            <p:stCondLst>
-                              <p:cond delay="500"/>
-                            </p:stCondLst>
-                            <p:childTnLst>
-                              <p:par>
-                                <p:cTn id="32" presetID="2" presetClass="entr" presetSubtype="8" fill="hold" grpId="1" nodeType="afterEffect">
-                                  <p:stCondLst>
-                                    <p:cond delay="0"/>
-                                  </p:stCondLst>
-                                  <p:childTnLst>
-                                    <p:set>
-                                      <p:cBhvr>
-                                        <p:cTn id="33" dur="1" fill="hold">
-                                          <p:stCondLst>
-                                            <p:cond delay="0"/>
-                                          </p:stCondLst>
-                                        </p:cTn>
-                                        <p:tgtEl>
-                                          <p:spTgt spid="46085"/>
-                                        </p:tgtEl>
-                                        <p:attrNameLst>
-                                          <p:attrName>style.visibility</p:attrName>
-                                        </p:attrNameLst>
-                                      </p:cBhvr>
-                                      <p:to>
-                                        <p:strVal val="visible"/>
-                                      </p:to>
-                                    </p:set>
-                                    <p:anim calcmode="lin" valueType="num">
-                                      <p:cBhvr additive="base">
-                                        <p:cTn id="34" dur="500" fill="hold"/>
-                                        <p:tgtEl>
-                                          <p:spTgt spid="46085"/>
-                                        </p:tgtEl>
-                                        <p:attrNameLst>
-                                          <p:attrName>ppt_x</p:attrName>
-                                        </p:attrNameLst>
-                                      </p:cBhvr>
-                                      <p:tavLst>
-                                        <p:tav tm="0">
-                                          <p:val>
-                                            <p:strVal val="0-#ppt_w/2"/>
-                                          </p:val>
-                                        </p:tav>
-                                        <p:tav tm="100000">
-                                          <p:val>
-                                            <p:strVal val="#ppt_x"/>
-                                          </p:val>
-                                        </p:tav>
-                                      </p:tavLst>
-                                    </p:anim>
-                                    <p:anim calcmode="lin" valueType="num">
-                                      <p:cBhvr additive="base">
-                                        <p:cTn id="35" dur="500" fill="hold"/>
-                                        <p:tgtEl>
-                                          <p:spTgt spid="46085"/>
-                                        </p:tgtEl>
-                                        <p:attrNameLst>
-                                          <p:attrName>ppt_y</p:attrName>
-                                        </p:attrNameLst>
-                                      </p:cBhvr>
-                                      <p:tavLst>
-                                        <p:tav tm="0">
-                                          <p:val>
-                                            <p:strVal val="#ppt_y"/>
-                                          </p:val>
-                                        </p:tav>
-                                        <p:tav tm="100000">
-                                          <p:val>
-                                            <p:strVal val="#ppt_y"/>
-                                          </p:val>
-                                        </p:tav>
-                                      </p:tavLst>
-                                    </p:anim>
-                                  </p:childTnLst>
-                                </p:cTn>
-                              </p:par>
-                            </p:childTnLst>
-                          </p:cTn>
-                        </p:par>
-                      </p:childTnLst>
-                    </p:cTn>
-                  </p:par>
-                  <p:par>
-                    <p:cTn id="36" fill="hold">
-                      <p:stCondLst>
-                        <p:cond delay="indefinite"/>
-                      </p:stCondLst>
-                      <p:childTnLst>
-                        <p:par>
-                          <p:cTn id="37" fill="hold">
-                            <p:stCondLst>
-                              <p:cond delay="0"/>
-                            </p:stCondLst>
-                            <p:childTnLst>
-                              <p:par>
-                                <p:cTn id="38" presetID="2" presetClass="entr" presetSubtype="8" fill="hold" grpId="0" nodeType="clickEffect">
-                                  <p:stCondLst>
-                                    <p:cond delay="0"/>
-                                  </p:stCondLst>
-                                  <p:childTnLst>
-                                    <p:set>
-                                      <p:cBhvr>
-                                        <p:cTn id="39" dur="1" fill="hold">
-                                          <p:stCondLst>
-                                            <p:cond delay="0"/>
-                                          </p:stCondLst>
-                                        </p:cTn>
-                                        <p:tgtEl>
-                                          <p:spTgt spid="46086"/>
-                                        </p:tgtEl>
-                                        <p:attrNameLst>
-                                          <p:attrName>style.visibility</p:attrName>
-                                        </p:attrNameLst>
-                                      </p:cBhvr>
-                                      <p:to>
-                                        <p:strVal val="visible"/>
-                                      </p:to>
-                                    </p:set>
-                                    <p:anim calcmode="lin" valueType="num">
-                                      <p:cBhvr additive="base">
-                                        <p:cTn id="40" dur="500" fill="hold"/>
-                                        <p:tgtEl>
-                                          <p:spTgt spid="46086"/>
-                                        </p:tgtEl>
-                                        <p:attrNameLst>
-                                          <p:attrName>ppt_x</p:attrName>
-                                        </p:attrNameLst>
-                                      </p:cBhvr>
-                                      <p:tavLst>
-                                        <p:tav tm="0">
-                                          <p:val>
-                                            <p:strVal val="0-#ppt_w/2"/>
-                                          </p:val>
-                                        </p:tav>
-                                        <p:tav tm="100000">
-                                          <p:val>
-                                            <p:strVal val="#ppt_x"/>
-                                          </p:val>
-                                        </p:tav>
-                                      </p:tavLst>
-                                    </p:anim>
-                                    <p:anim calcmode="lin" valueType="num">
-                                      <p:cBhvr additive="base">
-                                        <p:cTn id="41" dur="500" fill="hold"/>
-                                        <p:tgtEl>
-                                          <p:spTgt spid="46086"/>
-                                        </p:tgtEl>
-                                        <p:attrNameLst>
-                                          <p:attrName>ppt_y</p:attrName>
-                                        </p:attrNameLst>
-                                      </p:cBhvr>
-                                      <p:tavLst>
-                                        <p:tav tm="0">
-                                          <p:val>
-                                            <p:strVal val="#ppt_y"/>
-                                          </p:val>
-                                        </p:tav>
-                                        <p:tav tm="100000">
-                                          <p:val>
-                                            <p:strVal val="#ppt_y"/>
-                                          </p:val>
-                                        </p:tav>
-                                      </p:tavLst>
-                                    </p:anim>
-                                  </p:childTnLst>
-                                </p:cTn>
-                              </p:par>
-                            </p:childTnLst>
-                          </p:cTn>
-                        </p:par>
-                      </p:childTnLst>
-                    </p:cTn>
-                  </p:par>
-                </p:childTnLst>
-              </p:cTn>
-              <p:prevCondLst>
-                <p:cond evt="onPrev" delay="0">
-                  <p:tgtEl>
-                    <p:sldTgt/>
-                  </p:tgtEl>
-                </p:cond>
-              </p:prevCondLst>
-              <p:nextCondLst>
-                <p:cond evt="onNext" delay="0">
-                  <p:tgtEl>
-                    <p:sldTgt/>
-                  </p:tgtEl>
-                </p:cond>
-              </p:nextCondLst>
-            </p:seq>
-          </p:childTnLst>
-        </p:cTn>
-      </p:par>
-    </p:tnLst>
-    <p:bldLst>
-      <p:bldP spid="46085" grpId="0" bldLvl="0" autoUpdateAnimBg="0"/>
-      <p:bldP spid="46085" grpId="1" bldLvl="0" autoUpdateAnimBg="0"/>
-      <p:bldP spid="46086" grpId="0" bldLvl="0" autoUpdateAnimBg="0"/>
-      <p:bldP spid="46091" grpId="0" autoUpdateAnimBg="0"/>
-      <p:bldP spid="46093" grpId="0" autoUpdateAnimBg="0"/>
-    </p:bldLst>
-  </p:timing>
 </p:sld>
 </file>
 
@@ -8096,7 +7449,7 @@
         </p:nvSpPr>
         <p:spPr bwMode="auto">
           <a:xfrm>
-            <a:off x="0" y="263525"/>
+            <a:off x="0" y="317071"/>
             <a:ext cx="9144000" cy="831850"/>
           </a:xfrm>
           <a:prstGeom prst="roundRect">
@@ -8129,14 +7482,14 @@
                 <a:latin typeface="微软雅黑" pitchFamily="34" charset="-122"/>
                 <a:ea typeface="微软雅黑" pitchFamily="34" charset="-122"/>
               </a:rPr>
-              <a:t>Project Data</a:t>
+              <a:t>Project Description</a:t>
             </a:r>
           </a:p>
         </p:txBody>
       </p:sp>
       <p:pic>
         <p:nvPicPr>
-          <p:cNvPr id="5126" name="Picture 6" descr="Client-info-Box"/>
+          <p:cNvPr id="8" name="Picture 4" descr="Client-info-Box"/>
           <p:cNvPicPr>
             <a:picLocks noChangeAspect="1" noChangeArrowheads="1"/>
           </p:cNvPicPr>
@@ -8151,8 +7504,8 @@
         </p:blipFill>
         <p:spPr bwMode="auto">
           <a:xfrm>
-            <a:off x="0" y="1260475"/>
-            <a:ext cx="9144000" cy="5416550"/>
+            <a:off x="0" y="1449677"/>
+            <a:ext cx="9144000" cy="5181600"/>
           </a:xfrm>
           <a:prstGeom prst="rect">
             <a:avLst/>
@@ -8168,7 +7521,7 @@
       </p:pic>
       <p:sp>
         <p:nvSpPr>
-          <p:cNvPr id="5127" name="Text Box 7"/>
+          <p:cNvPr id="9" name="Rectangle 5"/>
           <p:cNvSpPr txBox="1">
             <a:spLocks noChangeArrowheads="1"/>
           </p:cNvSpPr>
@@ -8176,8 +7529,8 @@
         </p:nvSpPr>
         <p:spPr bwMode="auto">
           <a:xfrm>
-            <a:off x="471488" y="1881188"/>
-            <a:ext cx="8672512" cy="2123658"/>
+            <a:off x="457200" y="1614488"/>
+            <a:ext cx="8229600" cy="4525962"/>
           </a:xfrm>
           <a:prstGeom prst="rect">
             <a:avLst/>
@@ -8191,137 +7544,421 @@
           </a:ln>
         </p:spPr>
         <p:txBody>
-          <a:bodyPr>
+          <a:bodyPr vert="horz" wrap="square" lIns="91440" tIns="45720" rIns="91440" bIns="45720" numCol="1" anchor="t" anchorCtr="0" compatLnSpc="1">
+            <a:prstTxWarp prst="textNoShape">
+              <a:avLst/>
+            </a:prstTxWarp>
+          </a:bodyPr>
+          <a:lstStyle>
+            <a:lvl1pPr marL="342900" indent="-342900" algn="l" rtl="0" eaLnBrk="0" fontAlgn="base" hangingPunct="0">
+              <a:spcBef>
+                <a:spcPct val="20000"/>
+              </a:spcBef>
+              <a:spcAft>
+                <a:spcPct val="0"/>
+              </a:spcAft>
+              <a:buChar char="•"/>
+              <a:defRPr sz="3200">
+                <a:solidFill>
+                  <a:schemeClr val="bg1"/>
+                </a:solidFill>
+                <a:latin typeface="+mn-lt"/>
+                <a:ea typeface="+mn-ea"/>
+                <a:cs typeface="+mn-cs"/>
+              </a:defRPr>
+            </a:lvl1pPr>
+            <a:lvl2pPr marL="742950" indent="-285750" algn="l" rtl="0" eaLnBrk="0" fontAlgn="base" hangingPunct="0">
+              <a:spcBef>
+                <a:spcPct val="20000"/>
+              </a:spcBef>
+              <a:spcAft>
+                <a:spcPct val="0"/>
+              </a:spcAft>
+              <a:buChar char="–"/>
+              <a:defRPr sz="2800">
+                <a:solidFill>
+                  <a:schemeClr val="bg1"/>
+                </a:solidFill>
+                <a:latin typeface="+mn-lt"/>
+              </a:defRPr>
+            </a:lvl2pPr>
+            <a:lvl3pPr marL="1143000" indent="-228600" algn="l" rtl="0" eaLnBrk="0" fontAlgn="base" hangingPunct="0">
+              <a:spcBef>
+                <a:spcPct val="20000"/>
+              </a:spcBef>
+              <a:spcAft>
+                <a:spcPct val="0"/>
+              </a:spcAft>
+              <a:buChar char="•"/>
+              <a:defRPr sz="2400">
+                <a:solidFill>
+                  <a:schemeClr val="bg1"/>
+                </a:solidFill>
+                <a:latin typeface="+mn-lt"/>
+              </a:defRPr>
+            </a:lvl3pPr>
+            <a:lvl4pPr marL="1600200" indent="-228600" algn="l" rtl="0" eaLnBrk="0" fontAlgn="base" hangingPunct="0">
+              <a:spcBef>
+                <a:spcPct val="20000"/>
+              </a:spcBef>
+              <a:spcAft>
+                <a:spcPct val="0"/>
+              </a:spcAft>
+              <a:buChar char="–"/>
+              <a:defRPr sz="2000">
+                <a:solidFill>
+                  <a:schemeClr val="bg1"/>
+                </a:solidFill>
+                <a:latin typeface="+mn-lt"/>
+              </a:defRPr>
+            </a:lvl4pPr>
+            <a:lvl5pPr marL="2057400" indent="-228600" algn="l" rtl="0" eaLnBrk="0" fontAlgn="base" hangingPunct="0">
+              <a:spcBef>
+                <a:spcPct val="20000"/>
+              </a:spcBef>
+              <a:spcAft>
+                <a:spcPct val="0"/>
+              </a:spcAft>
+              <a:buChar char="»"/>
+              <a:defRPr sz="2000">
+                <a:solidFill>
+                  <a:schemeClr val="bg1"/>
+                </a:solidFill>
+                <a:latin typeface="+mn-lt"/>
+              </a:defRPr>
+            </a:lvl5pPr>
+            <a:lvl6pPr marL="2514600" indent="-228600" algn="l" rtl="0" eaLnBrk="0" fontAlgn="base" hangingPunct="0">
+              <a:spcBef>
+                <a:spcPct val="20000"/>
+              </a:spcBef>
+              <a:spcAft>
+                <a:spcPct val="0"/>
+              </a:spcAft>
+              <a:buChar char="»"/>
+              <a:defRPr sz="2000">
+                <a:solidFill>
+                  <a:schemeClr val="bg1"/>
+                </a:solidFill>
+                <a:latin typeface="+mn-lt"/>
+              </a:defRPr>
+            </a:lvl6pPr>
+            <a:lvl7pPr marL="2971800" indent="-228600" algn="l" rtl="0" eaLnBrk="0" fontAlgn="base" hangingPunct="0">
+              <a:spcBef>
+                <a:spcPct val="20000"/>
+              </a:spcBef>
+              <a:spcAft>
+                <a:spcPct val="0"/>
+              </a:spcAft>
+              <a:buChar char="»"/>
+              <a:defRPr sz="2000">
+                <a:solidFill>
+                  <a:schemeClr val="bg1"/>
+                </a:solidFill>
+                <a:latin typeface="+mn-lt"/>
+              </a:defRPr>
+            </a:lvl7pPr>
+            <a:lvl8pPr marL="3429000" indent="-228600" algn="l" rtl="0" eaLnBrk="0" fontAlgn="base" hangingPunct="0">
+              <a:spcBef>
+                <a:spcPct val="20000"/>
+              </a:spcBef>
+              <a:spcAft>
+                <a:spcPct val="0"/>
+              </a:spcAft>
+              <a:buChar char="»"/>
+              <a:defRPr sz="2000">
+                <a:solidFill>
+                  <a:schemeClr val="bg1"/>
+                </a:solidFill>
+                <a:latin typeface="+mn-lt"/>
+              </a:defRPr>
+            </a:lvl8pPr>
+            <a:lvl9pPr marL="3886200" indent="-228600" algn="l" rtl="0" eaLnBrk="0" fontAlgn="base" hangingPunct="0">
+              <a:spcBef>
+                <a:spcPct val="20000"/>
+              </a:spcBef>
+              <a:spcAft>
+                <a:spcPct val="0"/>
+              </a:spcAft>
+              <a:buChar char="»"/>
+              <a:defRPr sz="2000">
+                <a:solidFill>
+                  <a:schemeClr val="bg1"/>
+                </a:solidFill>
+                <a:latin typeface="+mn-lt"/>
+              </a:defRPr>
+            </a:lvl9pPr>
+          </a:lstStyle>
+          <a:p>
+            <a:pPr eaLnBrk="1" hangingPunct="1">
+              <a:buFontTx/>
+              <a:buNone/>
+            </a:pPr>
+            <a:endParaRPr lang="zh-CN" altLang="en-US" sz="4000" b="1" kern="0" dirty="0">
+              <a:solidFill>
+                <a:schemeClr val="tx1"/>
+              </a:solidFill>
+              <a:ea typeface="微软雅黑" pitchFamily="34" charset="-122"/>
+            </a:endParaRPr>
+          </a:p>
+        </p:txBody>
+      </p:sp>
+      <p:sp>
+        <p:nvSpPr>
+          <p:cNvPr id="10" name="TextBox 32"/>
+          <p:cNvSpPr txBox="1"/>
+          <p:nvPr/>
+        </p:nvSpPr>
+        <p:spPr>
+          <a:xfrm>
+            <a:off x="954300" y="2798434"/>
+            <a:ext cx="2106827" cy="584775"/>
+          </a:xfrm>
+          <a:prstGeom prst="rect">
+            <a:avLst/>
+          </a:prstGeom>
+          <a:noFill/>
+        </p:spPr>
+        <p:txBody>
+          <a:bodyPr wrap="square" rtlCol="0">
             <a:spAutoFit/>
           </a:bodyPr>
           <a:lstStyle/>
           <a:p>
-            <a:pPr marL="342900" indent="-342900">
-              <a:spcBef>
-                <a:spcPct val="50000"/>
-              </a:spcBef>
-            </a:pPr>
             <a:r>
-              <a:rPr lang="en-US" dirty="0">
-                <a:latin typeface="微软雅黑" pitchFamily="34" charset="-122"/>
-                <a:ea typeface="微软雅黑" pitchFamily="34" charset="-122"/>
-              </a:rPr>
-              <a:t>1</a:t>
+              <a:rPr lang="en-US" sz="3200" dirty="0"/>
+              <a:t> Find URL</a:t>
             </a:r>
+          </a:p>
+        </p:txBody>
+      </p:sp>
+      <p:sp>
+        <p:nvSpPr>
+          <p:cNvPr id="11" name="TextBox 32"/>
+          <p:cNvSpPr txBox="1"/>
+          <p:nvPr/>
+        </p:nvSpPr>
+        <p:spPr>
+          <a:xfrm>
+            <a:off x="1037845" y="3366627"/>
+            <a:ext cx="7648955" cy="584776"/>
+          </a:xfrm>
+          <a:prstGeom prst="rect">
+            <a:avLst/>
+          </a:prstGeom>
+          <a:noFill/>
+        </p:spPr>
+        <p:txBody>
+          <a:bodyPr wrap="square" rtlCol="0">
+            <a:spAutoFit/>
+          </a:bodyPr>
+          <a:lstStyle/>
+          <a:p>
             <a:r>
-              <a:rPr lang="zh-CN" altLang="en-US" dirty="0">
-                <a:latin typeface="微软雅黑" pitchFamily="34" charset="-122"/>
-                <a:ea typeface="微软雅黑" pitchFamily="34" charset="-122"/>
-              </a:rPr>
-              <a:t>．</a:t>
+              <a:rPr lang="en-US" sz="3200" dirty="0"/>
+              <a:t>Companies’ locations and information</a:t>
             </a:r>
+          </a:p>
+        </p:txBody>
+      </p:sp>
+      <p:sp>
+        <p:nvSpPr>
+          <p:cNvPr id="12" name="TextBox 32"/>
+          <p:cNvSpPr txBox="1"/>
+          <p:nvPr/>
+        </p:nvSpPr>
+        <p:spPr>
+          <a:xfrm>
+            <a:off x="1089991" y="4003662"/>
+            <a:ext cx="7011994" cy="584776"/>
+          </a:xfrm>
+          <a:prstGeom prst="rect">
+            <a:avLst/>
+          </a:prstGeom>
+          <a:noFill/>
+        </p:spPr>
+        <p:txBody>
+          <a:bodyPr wrap="square" rtlCol="0">
+            <a:spAutoFit/>
+          </a:bodyPr>
+          <a:lstStyle/>
+          <a:p>
             <a:r>
-              <a:rPr lang="en-US" altLang="zh-CN" dirty="0">
-                <a:latin typeface="微软雅黑" pitchFamily="34" charset="-122"/>
-                <a:ea typeface="微软雅黑" pitchFamily="34" charset="-122"/>
-              </a:rPr>
-              <a:t>Professional Job Website-----”Indeed”</a:t>
+              <a:rPr lang="en-US" sz="3200" dirty="0"/>
+              <a:t>Requirement and Required Skills</a:t>
             </a:r>
-            <a:endParaRPr lang="zh-CN" altLang="en-US" dirty="0">
-              <a:latin typeface="微软雅黑" pitchFamily="34" charset="-122"/>
-              <a:ea typeface="微软雅黑" pitchFamily="34" charset="-122"/>
-            </a:endParaRPr>
-          </a:p>
-          <a:p>
-            <a:pPr marL="342900" indent="-342900">
-              <a:spcBef>
-                <a:spcPct val="50000"/>
-              </a:spcBef>
-            </a:pPr>
+          </a:p>
+        </p:txBody>
+      </p:sp>
+      <p:sp>
+        <p:nvSpPr>
+          <p:cNvPr id="13" name="TextBox 12"/>
+          <p:cNvSpPr txBox="1"/>
+          <p:nvPr/>
+        </p:nvSpPr>
+        <p:spPr>
+          <a:xfrm>
+            <a:off x="1106700" y="4605278"/>
+            <a:ext cx="7429719" cy="584776"/>
+          </a:xfrm>
+          <a:prstGeom prst="rect">
+            <a:avLst/>
+          </a:prstGeom>
+          <a:noFill/>
+        </p:spPr>
+        <p:txBody>
+          <a:bodyPr wrap="square" rtlCol="0">
+            <a:spAutoFit/>
+          </a:bodyPr>
+          <a:lstStyle/>
+          <a:p>
             <a:r>
-              <a:rPr lang="en-US" dirty="0">
-                <a:latin typeface="微软雅黑" pitchFamily="34" charset="-122"/>
-                <a:ea typeface="微软雅黑" pitchFamily="34" charset="-122"/>
-              </a:rPr>
-              <a:t>2</a:t>
+              <a:rPr lang="en-US" sz="3200" dirty="0"/>
+              <a:t>Visualization and Statistics Analysis</a:t>
             </a:r>
-            <a:r>
-              <a:rPr lang="zh-CN" altLang="en-US" dirty="0">
-                <a:latin typeface="微软雅黑" pitchFamily="34" charset="-122"/>
-                <a:ea typeface="微软雅黑" pitchFamily="34" charset="-122"/>
-              </a:rPr>
-              <a:t>．</a:t>
-            </a:r>
-            <a:r>
-              <a:rPr lang="en-US" altLang="zh-CN" dirty="0">
-                <a:latin typeface="微软雅黑" pitchFamily="34" charset="-122"/>
-                <a:ea typeface="微软雅黑" pitchFamily="34" charset="-122"/>
-              </a:rPr>
-              <a:t>200 Pages</a:t>
-            </a:r>
-            <a:endParaRPr lang="zh-CN" altLang="en-US" dirty="0">
-              <a:latin typeface="微软雅黑" pitchFamily="34" charset="-122"/>
-              <a:ea typeface="微软雅黑" pitchFamily="34" charset="-122"/>
-            </a:endParaRPr>
-          </a:p>
-          <a:p>
-            <a:pPr marL="342900" indent="-342900">
-              <a:spcBef>
-                <a:spcPct val="50000"/>
-              </a:spcBef>
-            </a:pPr>
-            <a:r>
-              <a:rPr lang="en-US" dirty="0">
-                <a:latin typeface="微软雅黑" pitchFamily="34" charset="-122"/>
-                <a:ea typeface="微软雅黑" pitchFamily="34" charset="-122"/>
-              </a:rPr>
-              <a:t>3</a:t>
-            </a:r>
-            <a:r>
-              <a:rPr lang="zh-CN" altLang="en-US" dirty="0">
-                <a:latin typeface="微软雅黑" pitchFamily="34" charset="-122"/>
-                <a:ea typeface="微软雅黑" pitchFamily="34" charset="-122"/>
-              </a:rPr>
-              <a:t>．</a:t>
-            </a:r>
-            <a:r>
-              <a:rPr lang="en-US" altLang="zh-CN" dirty="0">
-                <a:latin typeface="微软雅黑" pitchFamily="34" charset="-122"/>
-                <a:ea typeface="微软雅黑" pitchFamily="34" charset="-122"/>
-              </a:rPr>
-              <a:t>3000 Post Information</a:t>
-            </a:r>
-            <a:endParaRPr lang="zh-CN" altLang="en-US" dirty="0">
-              <a:latin typeface="微软雅黑" pitchFamily="34" charset="-122"/>
-              <a:ea typeface="微软雅黑" pitchFamily="34" charset="-122"/>
-            </a:endParaRPr>
-          </a:p>
-          <a:p>
-            <a:pPr marL="342900" indent="-342900">
-              <a:spcBef>
-                <a:spcPct val="50000"/>
-              </a:spcBef>
-            </a:pPr>
-            <a:r>
-              <a:rPr lang="en-US" dirty="0">
-                <a:latin typeface="微软雅黑" pitchFamily="34" charset="-122"/>
-                <a:ea typeface="微软雅黑" pitchFamily="34" charset="-122"/>
-              </a:rPr>
-              <a:t>4</a:t>
-            </a:r>
-            <a:r>
-              <a:rPr lang="zh-CN" altLang="en-US" dirty="0">
-                <a:latin typeface="微软雅黑" pitchFamily="34" charset="-122"/>
-                <a:ea typeface="微软雅黑" pitchFamily="34" charset="-122"/>
-              </a:rPr>
-              <a:t>．</a:t>
-            </a:r>
-            <a:r>
-              <a:rPr lang="en-US" altLang="zh-CN" dirty="0">
-                <a:latin typeface="微软雅黑" pitchFamily="34" charset="-122"/>
-                <a:ea typeface="微软雅黑" pitchFamily="34" charset="-122"/>
-              </a:rPr>
-              <a:t>2445 Data</a:t>
-            </a:r>
-            <a:endParaRPr lang="en-US" dirty="0">
-              <a:latin typeface="微软雅黑" pitchFamily="34" charset="-122"/>
-              <a:ea typeface="微软雅黑" pitchFamily="34" charset="-122"/>
-            </a:endParaRPr>
+          </a:p>
+        </p:txBody>
+      </p:sp>
+      <p:sp>
+        <p:nvSpPr>
+          <p:cNvPr id="14" name="AutoShape 28"/>
+          <p:cNvSpPr>
+            <a:spLocks noChangeArrowheads="1"/>
+          </p:cNvSpPr>
+          <p:nvPr/>
+        </p:nvSpPr>
+        <p:spPr bwMode="auto">
+          <a:xfrm>
+            <a:off x="649500" y="2946951"/>
+            <a:ext cx="304800" cy="331787"/>
+          </a:xfrm>
+          <a:prstGeom prst="diamond">
+            <a:avLst/>
+          </a:prstGeom>
+          <a:solidFill>
+            <a:schemeClr val="tx1"/>
+          </a:solidFill>
+          <a:ln w="9525" cmpd="sng">
+            <a:solidFill>
+              <a:schemeClr val="tx1"/>
+            </a:solidFill>
+            <a:miter lim="800000"/>
+            <a:headEnd/>
+            <a:tailEnd/>
+          </a:ln>
+        </p:spPr>
+        <p:txBody>
+          <a:bodyPr wrap="none" anchor="ctr"/>
+          <a:lstStyle/>
+          <a:p>
+            <a:endParaRPr lang="zh-CN" altLang="en-US"/>
+          </a:p>
+        </p:txBody>
+      </p:sp>
+      <p:sp>
+        <p:nvSpPr>
+          <p:cNvPr id="15" name="AutoShape 28"/>
+          <p:cNvSpPr>
+            <a:spLocks noChangeArrowheads="1"/>
+          </p:cNvSpPr>
+          <p:nvPr/>
+        </p:nvSpPr>
+        <p:spPr bwMode="auto">
+          <a:xfrm>
+            <a:off x="633982" y="3534265"/>
+            <a:ext cx="304800" cy="331787"/>
+          </a:xfrm>
+          <a:prstGeom prst="diamond">
+            <a:avLst/>
+          </a:prstGeom>
+          <a:solidFill>
+            <a:schemeClr val="tx1"/>
+          </a:solidFill>
+          <a:ln w="9525" cmpd="sng">
+            <a:solidFill>
+              <a:schemeClr val="tx1"/>
+            </a:solidFill>
+            <a:miter lim="800000"/>
+            <a:headEnd/>
+            <a:tailEnd/>
+          </a:ln>
+        </p:spPr>
+        <p:txBody>
+          <a:bodyPr wrap="none" anchor="ctr"/>
+          <a:lstStyle/>
+          <a:p>
+            <a:endParaRPr lang="zh-CN" altLang="en-US"/>
+          </a:p>
+        </p:txBody>
+      </p:sp>
+      <p:sp>
+        <p:nvSpPr>
+          <p:cNvPr id="16" name="AutoShape 28"/>
+          <p:cNvSpPr>
+            <a:spLocks noChangeArrowheads="1"/>
+          </p:cNvSpPr>
+          <p:nvPr/>
+        </p:nvSpPr>
+        <p:spPr bwMode="auto">
+          <a:xfrm>
+            <a:off x="725700" y="4767554"/>
+            <a:ext cx="304800" cy="331787"/>
+          </a:xfrm>
+          <a:prstGeom prst="diamond">
+            <a:avLst/>
+          </a:prstGeom>
+          <a:solidFill>
+            <a:schemeClr val="tx1"/>
+          </a:solidFill>
+          <a:ln w="9525" cmpd="sng">
+            <a:solidFill>
+              <a:schemeClr val="tx1"/>
+            </a:solidFill>
+            <a:miter lim="800000"/>
+            <a:headEnd/>
+            <a:tailEnd/>
+          </a:ln>
+        </p:spPr>
+        <p:txBody>
+          <a:bodyPr wrap="none" anchor="ctr"/>
+          <a:lstStyle/>
+          <a:p>
+            <a:endParaRPr lang="zh-CN" altLang="en-US"/>
+          </a:p>
+        </p:txBody>
+      </p:sp>
+      <p:sp>
+        <p:nvSpPr>
+          <p:cNvPr id="17" name="AutoShape 28"/>
+          <p:cNvSpPr>
+            <a:spLocks noChangeArrowheads="1"/>
+          </p:cNvSpPr>
+          <p:nvPr/>
+        </p:nvSpPr>
+        <p:spPr bwMode="auto">
+          <a:xfrm>
+            <a:off x="649500" y="4150765"/>
+            <a:ext cx="304800" cy="331787"/>
+          </a:xfrm>
+          <a:prstGeom prst="diamond">
+            <a:avLst/>
+          </a:prstGeom>
+          <a:solidFill>
+            <a:schemeClr val="tx1"/>
+          </a:solidFill>
+          <a:ln w="9525" cmpd="sng">
+            <a:solidFill>
+              <a:schemeClr val="tx1"/>
+            </a:solidFill>
+            <a:miter lim="800000"/>
+            <a:headEnd/>
+            <a:tailEnd/>
+          </a:ln>
+        </p:spPr>
+        <p:txBody>
+          <a:bodyPr wrap="none" anchor="ctr"/>
+          <a:lstStyle/>
+          <a:p>
+            <a:endParaRPr lang="zh-CN" altLang="en-US"/>
           </a:p>
         </p:txBody>
       </p:sp>
@@ -8331,256 +7968,6 @@
     <a:masterClrMapping/>
   </p:clrMapOvr>
   <p:transition/>
-  <p:timing>
-    <p:tnLst>
-      <p:par>
-        <p:cTn id="1" dur="indefinite" restart="never" nodeType="tmRoot">
-          <p:childTnLst>
-            <p:seq concurrent="1" nextAc="seek">
-              <p:cTn id="2" dur="indefinite" nodeType="mainSeq">
-                <p:childTnLst>
-                  <p:par>
-                    <p:cTn id="3" fill="hold">
-                      <p:stCondLst>
-                        <p:cond delay="indefinite"/>
-                        <p:cond evt="onBegin" delay="0">
-                          <p:tn val="2"/>
-                        </p:cond>
-                      </p:stCondLst>
-                      <p:childTnLst>
-                        <p:par>
-                          <p:cTn id="4" fill="hold">
-                            <p:stCondLst>
-                              <p:cond delay="0"/>
-                            </p:stCondLst>
-                            <p:childTnLst>
-                              <p:par>
-                                <p:cTn id="5" presetID="3" presetClass="entr" presetSubtype="10" fill="hold" nodeType="afterEffect">
-                                  <p:stCondLst>
-                                    <p:cond delay="0"/>
-                                  </p:stCondLst>
-                                  <p:childTnLst>
-                                    <p:set>
-                                      <p:cBhvr>
-                                        <p:cTn id="6" dur="1" fill="hold">
-                                          <p:stCondLst>
-                                            <p:cond delay="0"/>
-                                          </p:stCondLst>
-                                        </p:cTn>
-                                        <p:tgtEl>
-                                          <p:spTgt spid="5127">
-                                            <p:txEl>
-                                              <p:pRg st="0" end="0"/>
-                                            </p:txEl>
-                                          </p:spTgt>
-                                        </p:tgtEl>
-                                        <p:attrNameLst>
-                                          <p:attrName>style.visibility</p:attrName>
-                                        </p:attrNameLst>
-                                      </p:cBhvr>
-                                      <p:to>
-                                        <p:strVal val="visible"/>
-                                      </p:to>
-                                    </p:set>
-                                    <p:animEffect transition="in" filter="blinds(horizontal)">
-                                      <p:cBhvr>
-                                        <p:cTn id="7" dur="500"/>
-                                        <p:tgtEl>
-                                          <p:spTgt spid="5127">
-                                            <p:txEl>
-                                              <p:pRg st="0" end="0"/>
-                                            </p:txEl>
-                                          </p:spTgt>
-                                        </p:tgtEl>
-                                      </p:cBhvr>
-                                    </p:animEffect>
-                                  </p:childTnLst>
-                                </p:cTn>
-                              </p:par>
-                            </p:childTnLst>
-                          </p:cTn>
-                        </p:par>
-                        <p:par>
-                          <p:cTn id="8" fill="hold">
-                            <p:stCondLst>
-                              <p:cond delay="500"/>
-                            </p:stCondLst>
-                            <p:childTnLst>
-                              <p:par>
-                                <p:cTn id="9" presetID="3" presetClass="entr" presetSubtype="10" fill="hold" nodeType="afterEffect">
-                                  <p:stCondLst>
-                                    <p:cond delay="0"/>
-                                  </p:stCondLst>
-                                  <p:childTnLst>
-                                    <p:set>
-                                      <p:cBhvr>
-                                        <p:cTn id="10" dur="1" fill="hold">
-                                          <p:stCondLst>
-                                            <p:cond delay="0"/>
-                                          </p:stCondLst>
-                                        </p:cTn>
-                                        <p:tgtEl>
-                                          <p:spTgt spid="5127">
-                                            <p:txEl>
-                                              <p:pRg st="1" end="1"/>
-                                            </p:txEl>
-                                          </p:spTgt>
-                                        </p:tgtEl>
-                                        <p:attrNameLst>
-                                          <p:attrName>style.visibility</p:attrName>
-                                        </p:attrNameLst>
-                                      </p:cBhvr>
-                                      <p:to>
-                                        <p:strVal val="visible"/>
-                                      </p:to>
-                                    </p:set>
-                                    <p:animEffect transition="in" filter="blinds(horizontal)">
-                                      <p:cBhvr>
-                                        <p:cTn id="11" dur="500"/>
-                                        <p:tgtEl>
-                                          <p:spTgt spid="5127">
-                                            <p:txEl>
-                                              <p:pRg st="1" end="1"/>
-                                            </p:txEl>
-                                          </p:spTgt>
-                                        </p:tgtEl>
-                                      </p:cBhvr>
-                                    </p:animEffect>
-                                  </p:childTnLst>
-                                </p:cTn>
-                              </p:par>
-                            </p:childTnLst>
-                          </p:cTn>
-                        </p:par>
-                        <p:par>
-                          <p:cTn id="12" fill="hold">
-                            <p:stCondLst>
-                              <p:cond delay="1000"/>
-                            </p:stCondLst>
-                            <p:childTnLst>
-                              <p:par>
-                                <p:cTn id="13" presetID="3" presetClass="entr" presetSubtype="10" fill="hold" nodeType="afterEffect">
-                                  <p:stCondLst>
-                                    <p:cond delay="0"/>
-                                  </p:stCondLst>
-                                  <p:childTnLst>
-                                    <p:set>
-                                      <p:cBhvr>
-                                        <p:cTn id="14" dur="1" fill="hold">
-                                          <p:stCondLst>
-                                            <p:cond delay="0"/>
-                                          </p:stCondLst>
-                                        </p:cTn>
-                                        <p:tgtEl>
-                                          <p:spTgt spid="5127">
-                                            <p:txEl>
-                                              <p:pRg st="2" end="2"/>
-                                            </p:txEl>
-                                          </p:spTgt>
-                                        </p:tgtEl>
-                                        <p:attrNameLst>
-                                          <p:attrName>style.visibility</p:attrName>
-                                        </p:attrNameLst>
-                                      </p:cBhvr>
-                                      <p:to>
-                                        <p:strVal val="visible"/>
-                                      </p:to>
-                                    </p:set>
-                                    <p:animEffect transition="in" filter="blinds(horizontal)">
-                                      <p:cBhvr>
-                                        <p:cTn id="15" dur="500"/>
-                                        <p:tgtEl>
-                                          <p:spTgt spid="5127">
-                                            <p:txEl>
-                                              <p:pRg st="2" end="2"/>
-                                            </p:txEl>
-                                          </p:spTgt>
-                                        </p:tgtEl>
-                                      </p:cBhvr>
-                                    </p:animEffect>
-                                  </p:childTnLst>
-                                </p:cTn>
-                              </p:par>
-                            </p:childTnLst>
-                          </p:cTn>
-                        </p:par>
-                        <p:par>
-                          <p:cTn id="16" fill="hold">
-                            <p:stCondLst>
-                              <p:cond delay="1500"/>
-                            </p:stCondLst>
-                            <p:childTnLst>
-                              <p:par>
-                                <p:cTn id="17" presetID="3" presetClass="entr" presetSubtype="10" fill="hold" nodeType="afterEffect">
-                                  <p:stCondLst>
-                                    <p:cond delay="0"/>
-                                  </p:stCondLst>
-                                  <p:childTnLst>
-                                    <p:set>
-                                      <p:cBhvr>
-                                        <p:cTn id="18" dur="1" fill="hold">
-                                          <p:stCondLst>
-                                            <p:cond delay="0"/>
-                                          </p:stCondLst>
-                                        </p:cTn>
-                                        <p:tgtEl>
-                                          <p:spTgt spid="5127">
-                                            <p:txEl>
-                                              <p:pRg st="3" end="3"/>
-                                            </p:txEl>
-                                          </p:spTgt>
-                                        </p:tgtEl>
-                                        <p:attrNameLst>
-                                          <p:attrName>style.visibility</p:attrName>
-                                        </p:attrNameLst>
-                                      </p:cBhvr>
-                                      <p:to>
-                                        <p:strVal val="visible"/>
-                                      </p:to>
-                                    </p:set>
-                                    <p:animEffect transition="in" filter="blinds(horizontal)">
-                                      <p:cBhvr>
-                                        <p:cTn id="19" dur="500"/>
-                                        <p:tgtEl>
-                                          <p:spTgt spid="5127">
-                                            <p:txEl>
-                                              <p:pRg st="3" end="3"/>
-                                            </p:txEl>
-                                          </p:spTgt>
-                                        </p:tgtEl>
-                                      </p:cBhvr>
-                                    </p:animEffect>
-                                  </p:childTnLst>
-                                </p:cTn>
-                              </p:par>
-                            </p:childTnLst>
-                          </p:cTn>
-                        </p:par>
-                      </p:childTnLst>
-                    </p:cTn>
-                  </p:par>
-                </p:childTnLst>
-              </p:cTn>
-              <p:prevCondLst>
-                <p:cond evt="onPrev" delay="0">
-                  <p:tgtEl>
-                    <p:sldTgt/>
-                  </p:tgtEl>
-                </p:cond>
-              </p:prevCondLst>
-              <p:nextCondLst>
-                <p:cond evt="onNext" delay="0">
-                  <p:tgtEl>
-                    <p:sldTgt/>
-                  </p:tgtEl>
-                </p:cond>
-              </p:nextCondLst>
-            </p:seq>
-          </p:childTnLst>
-        </p:cTn>
-      </p:par>
-    </p:tnLst>
-  </p:timing>
 </p:sld>
 </file>
 
@@ -8656,86 +8043,6 @@
             <a:pPr eaLnBrk="1" hangingPunct="1"/>
             <a:endParaRPr lang="zh-CN" altLang="en-US" dirty="0">
               <a:ea typeface="宋体" pitchFamily="2" charset="-122"/>
-            </a:endParaRPr>
-          </a:p>
-        </p:txBody>
-      </p:sp>
-      <p:pic>
-        <p:nvPicPr>
-          <p:cNvPr id="8196" name="Picture 4" descr="Client-info-Box"/>
-          <p:cNvPicPr>
-            <a:picLocks noChangeAspect="1" noChangeArrowheads="1"/>
-          </p:cNvPicPr>
-          <p:nvPr/>
-        </p:nvPicPr>
-        <p:blipFill>
-          <a:blip r:embed="rId3" cstate="print"/>
-          <a:srcRect/>
-          <a:stretch>
-            <a:fillRect/>
-          </a:stretch>
-        </p:blipFill>
-        <p:spPr bwMode="auto">
-          <a:xfrm>
-            <a:off x="0" y="1449677"/>
-            <a:ext cx="9144000" cy="5181600"/>
-          </a:xfrm>
-          <a:prstGeom prst="rect">
-            <a:avLst/>
-          </a:prstGeom>
-          <a:noFill/>
-          <a:ln w="9525">
-            <a:noFill/>
-            <a:miter lim="800000"/>
-            <a:headEnd/>
-            <a:tailEnd/>
-          </a:ln>
-        </p:spPr>
-      </p:pic>
-      <p:sp>
-        <p:nvSpPr>
-          <p:cNvPr id="8197" name="Rectangle 5"/>
-          <p:cNvSpPr>
-            <a:spLocks noGrp="1" noChangeArrowheads="1"/>
-          </p:cNvSpPr>
-          <p:nvPr>
-            <p:ph type="body" idx="4294967295"/>
-          </p:nvPr>
-        </p:nvSpPr>
-        <p:spPr>
-          <a:xfrm>
-            <a:off x="457200" y="1614488"/>
-            <a:ext cx="8229600" cy="4525962"/>
-          </a:xfrm>
-        </p:spPr>
-        <p:txBody>
-          <a:bodyPr/>
-          <a:lstStyle/>
-          <a:p>
-            <a:pPr eaLnBrk="1" hangingPunct="1">
-              <a:buFontTx/>
-              <a:buNone/>
-            </a:pPr>
-            <a:r>
-              <a:rPr lang="en-US" altLang="zh-CN" sz="4000" b="1" dirty="0">
-                <a:solidFill>
-                  <a:schemeClr val="tx1"/>
-                </a:solidFill>
-                <a:ea typeface="微软雅黑" pitchFamily="34" charset="-122"/>
-              </a:rPr>
-              <a:t>Project Description</a:t>
-            </a:r>
-          </a:p>
-          <a:p>
-            <a:pPr eaLnBrk="1" hangingPunct="1">
-              <a:buFontTx/>
-              <a:buNone/>
-            </a:pPr>
-            <a:endParaRPr lang="zh-CN" altLang="en-US" sz="4000" b="1" dirty="0">
-              <a:solidFill>
-                <a:schemeClr val="tx1"/>
-              </a:solidFill>
-              <a:ea typeface="微软雅黑" pitchFamily="34" charset="-122"/>
             </a:endParaRPr>
           </a:p>
         </p:txBody>
@@ -9525,158 +8832,14 @@
       </p:sp>
       <p:sp>
         <p:nvSpPr>
-          <p:cNvPr id="8220" name="AutoShape 28"/>
-          <p:cNvSpPr>
-            <a:spLocks noChangeArrowheads="1"/>
-          </p:cNvSpPr>
-          <p:nvPr/>
-        </p:nvSpPr>
-        <p:spPr bwMode="auto">
-          <a:xfrm>
-            <a:off x="631825" y="3290888"/>
-            <a:ext cx="304800" cy="331787"/>
-          </a:xfrm>
-          <a:prstGeom prst="diamond">
-            <a:avLst/>
-          </a:prstGeom>
-          <a:solidFill>
-            <a:schemeClr val="tx1"/>
-          </a:solidFill>
-          <a:ln w="9525" cmpd="sng">
-            <a:solidFill>
-              <a:schemeClr val="tx1"/>
-            </a:solidFill>
-            <a:miter lim="800000"/>
-            <a:headEnd/>
-            <a:tailEnd/>
-          </a:ln>
-        </p:spPr>
-        <p:txBody>
-          <a:bodyPr wrap="none" anchor="ctr"/>
-          <a:lstStyle/>
-          <a:p>
-            <a:endParaRPr lang="zh-CN" altLang="en-US"/>
-          </a:p>
-        </p:txBody>
-      </p:sp>
-      <p:sp>
-        <p:nvSpPr>
-          <p:cNvPr id="8221" name="AutoShape 29"/>
-          <p:cNvSpPr>
-            <a:spLocks noChangeArrowheads="1"/>
-          </p:cNvSpPr>
-          <p:nvPr/>
-        </p:nvSpPr>
-        <p:spPr bwMode="auto">
-          <a:xfrm>
-            <a:off x="679450" y="5099050"/>
-            <a:ext cx="304800" cy="331788"/>
-          </a:xfrm>
-          <a:prstGeom prst="diamond">
-            <a:avLst/>
-          </a:prstGeom>
-          <a:solidFill>
-            <a:schemeClr val="tx1"/>
-          </a:solidFill>
-          <a:ln w="9525" cmpd="sng">
-            <a:solidFill>
-              <a:schemeClr val="tx1"/>
-            </a:solidFill>
-            <a:miter lim="800000"/>
-            <a:headEnd/>
-            <a:tailEnd/>
-          </a:ln>
-        </p:spPr>
-        <p:txBody>
-          <a:bodyPr wrap="none" anchor="ctr"/>
-          <a:lstStyle/>
-          <a:p>
-            <a:endParaRPr lang="zh-CN" altLang="en-US"/>
-          </a:p>
-        </p:txBody>
-      </p:sp>
-      <p:sp>
-        <p:nvSpPr>
-          <p:cNvPr id="8222" name="AutoShape 30"/>
-          <p:cNvSpPr>
-            <a:spLocks noChangeArrowheads="1"/>
-          </p:cNvSpPr>
-          <p:nvPr/>
-        </p:nvSpPr>
-        <p:spPr bwMode="auto">
-          <a:xfrm>
-            <a:off x="615950" y="3905250"/>
-            <a:ext cx="304800" cy="331788"/>
-          </a:xfrm>
-          <a:prstGeom prst="diamond">
-            <a:avLst/>
-          </a:prstGeom>
-          <a:solidFill>
-            <a:schemeClr val="tx1"/>
-          </a:solidFill>
-          <a:ln w="9525" cmpd="sng">
-            <a:solidFill>
-              <a:schemeClr val="tx1"/>
-            </a:solidFill>
-            <a:miter lim="800000"/>
-            <a:headEnd/>
-            <a:tailEnd/>
-          </a:ln>
-        </p:spPr>
-        <p:txBody>
-          <a:bodyPr wrap="none" anchor="ctr"/>
-          <a:lstStyle/>
-          <a:p>
-            <a:endParaRPr lang="zh-CN" altLang="en-US"/>
-          </a:p>
-        </p:txBody>
-      </p:sp>
-      <p:sp>
-        <p:nvSpPr>
-          <p:cNvPr id="8223" name="AutoShape 31"/>
-          <p:cNvSpPr>
-            <a:spLocks noChangeArrowheads="1"/>
-          </p:cNvSpPr>
-          <p:nvPr/>
-        </p:nvSpPr>
-        <p:spPr bwMode="auto">
-          <a:xfrm>
-            <a:off x="635000" y="4522788"/>
-            <a:ext cx="304800" cy="331787"/>
-          </a:xfrm>
-          <a:prstGeom prst="diamond">
-            <a:avLst/>
-          </a:prstGeom>
-          <a:solidFill>
-            <a:schemeClr val="tx1"/>
-          </a:solidFill>
-          <a:ln w="9525" cmpd="sng">
-            <a:solidFill>
-              <a:schemeClr val="tx1"/>
-            </a:solidFill>
-            <a:miter lim="800000"/>
-            <a:headEnd/>
-            <a:tailEnd/>
-          </a:ln>
-        </p:spPr>
-        <p:txBody>
-          <a:bodyPr wrap="none" anchor="ctr"/>
-          <a:lstStyle/>
-          <a:p>
-            <a:endParaRPr lang="zh-CN" altLang="en-US"/>
-          </a:p>
-        </p:txBody>
-      </p:sp>
-      <p:sp>
-        <p:nvSpPr>
-          <p:cNvPr id="30" name="TextBox 32"/>
+          <p:cNvPr id="2" name="TextBox 1"/>
           <p:cNvSpPr txBox="1"/>
           <p:nvPr/>
         </p:nvSpPr>
         <p:spPr>
           <a:xfrm>
-            <a:off x="1190106" y="3125363"/>
-            <a:ext cx="2106827" cy="584775"/>
+            <a:off x="2390918" y="3775630"/>
+            <a:ext cx="630538" cy="369332"/>
           </a:xfrm>
           <a:prstGeom prst="rect">
             <a:avLst/>
@@ -9690,22 +8853,22 @@
           <a:lstStyle/>
           <a:p>
             <a:r>
-              <a:rPr lang="en-US" sz="3200" dirty="0"/>
-              <a:t> Find URL</a:t>
+              <a:rPr lang="en-US" sz="1800" dirty="0"/>
+              <a:t>SF</a:t>
             </a:r>
           </a:p>
         </p:txBody>
       </p:sp>
       <p:sp>
         <p:nvSpPr>
-          <p:cNvPr id="31" name="TextBox 32"/>
+          <p:cNvPr id="34" name="TextBox 33"/>
           <p:cNvSpPr txBox="1"/>
           <p:nvPr/>
         </p:nvSpPr>
         <p:spPr>
           <a:xfrm>
-            <a:off x="1273651" y="3693556"/>
-            <a:ext cx="7648955" cy="584776"/>
+            <a:off x="3373125" y="3424915"/>
+            <a:ext cx="727819" cy="369332"/>
           </a:xfrm>
           <a:prstGeom prst="rect">
             <a:avLst/>
@@ -9719,22 +8882,22 @@
           <a:lstStyle/>
           <a:p>
             <a:r>
-              <a:rPr lang="en-US" sz="3200" dirty="0"/>
-              <a:t>Companies’ locations and information</a:t>
+              <a:rPr lang="en-US" sz="1800" dirty="0"/>
+              <a:t>SAC</a:t>
             </a:r>
           </a:p>
         </p:txBody>
       </p:sp>
       <p:sp>
         <p:nvSpPr>
-          <p:cNvPr id="32" name="TextBox 32"/>
+          <p:cNvPr id="35" name="TextBox 34"/>
           <p:cNvSpPr txBox="1"/>
           <p:nvPr/>
         </p:nvSpPr>
         <p:spPr>
           <a:xfrm>
-            <a:off x="1325797" y="4330591"/>
-            <a:ext cx="7011994" cy="584776"/>
+            <a:off x="5015846" y="5562261"/>
+            <a:ext cx="727819" cy="369332"/>
           </a:xfrm>
           <a:prstGeom prst="rect">
             <a:avLst/>
@@ -9748,22 +8911,22 @@
           <a:lstStyle/>
           <a:p>
             <a:r>
-              <a:rPr lang="en-US" sz="3200" dirty="0"/>
-              <a:t>Requirement and Required Skills</a:t>
+              <a:rPr lang="en-US" sz="1800" dirty="0"/>
+              <a:t>LA</a:t>
             </a:r>
           </a:p>
         </p:txBody>
       </p:sp>
       <p:sp>
         <p:nvSpPr>
-          <p:cNvPr id="33" name="TextBox 32"/>
+          <p:cNvPr id="39" name="TextBox 38"/>
           <p:cNvSpPr txBox="1"/>
           <p:nvPr/>
         </p:nvSpPr>
         <p:spPr>
           <a:xfrm>
-            <a:off x="1342506" y="4932207"/>
-            <a:ext cx="7429719" cy="584776"/>
+            <a:off x="5480759" y="6369849"/>
+            <a:ext cx="727819" cy="369332"/>
           </a:xfrm>
           <a:prstGeom prst="rect">
             <a:avLst/>
@@ -9777,16 +8940,250 @@
           <a:lstStyle/>
           <a:p>
             <a:r>
-              <a:rPr lang="en-US" sz="3200" dirty="0"/>
-              <a:t>Visualization and Statistics Analysis</a:t>
+              <a:rPr lang="en-US" sz="1800" dirty="0"/>
+              <a:t>SD</a:t>
             </a:r>
+          </a:p>
+        </p:txBody>
+      </p:sp>
+      <p:sp>
+        <p:nvSpPr>
+          <p:cNvPr id="40" name="TextBox 39"/>
+          <p:cNvSpPr txBox="1"/>
+          <p:nvPr/>
+        </p:nvSpPr>
+        <p:spPr>
+          <a:xfrm>
+            <a:off x="2645306" y="4028993"/>
+            <a:ext cx="727819" cy="369332"/>
+          </a:xfrm>
+          <a:prstGeom prst="rect">
+            <a:avLst/>
+          </a:prstGeom>
+          <a:noFill/>
+        </p:spPr>
+        <p:txBody>
+          <a:bodyPr wrap="square" rtlCol="0">
+            <a:spAutoFit/>
+          </a:bodyPr>
+          <a:lstStyle/>
+          <a:p>
+            <a:r>
+              <a:rPr lang="en-US" sz="1800" dirty="0"/>
+              <a:t>PA</a:t>
+            </a:r>
+          </a:p>
+        </p:txBody>
+      </p:sp>
+      <p:pic>
+        <p:nvPicPr>
+          <p:cNvPr id="30" name="Picture 6" descr="Client-info-Box"/>
+          <p:cNvPicPr>
+            <a:picLocks noChangeAspect="1" noChangeArrowheads="1"/>
+          </p:cNvPicPr>
+          <p:nvPr/>
+        </p:nvPicPr>
+        <p:blipFill>
+          <a:blip r:embed="rId3" cstate="print"/>
+          <a:srcRect/>
+          <a:stretch>
+            <a:fillRect/>
+          </a:stretch>
+        </p:blipFill>
+        <p:spPr bwMode="auto">
+          <a:xfrm>
+            <a:off x="0" y="1472082"/>
+            <a:ext cx="9144000" cy="5416550"/>
+          </a:xfrm>
+          <a:prstGeom prst="rect">
+            <a:avLst/>
+          </a:prstGeom>
+          <a:noFill/>
+          <a:ln w="9525">
+            <a:noFill/>
+            <a:miter lim="800000"/>
+            <a:headEnd/>
+            <a:tailEnd/>
+          </a:ln>
+        </p:spPr>
+      </p:pic>
+      <p:sp>
+        <p:nvSpPr>
+          <p:cNvPr id="31" name="Text Box 7"/>
+          <p:cNvSpPr txBox="1">
+            <a:spLocks noChangeArrowheads="1"/>
+          </p:cNvSpPr>
+          <p:nvPr/>
+        </p:nvSpPr>
+        <p:spPr bwMode="auto">
+          <a:xfrm>
+            <a:off x="471488" y="2092795"/>
+            <a:ext cx="8672512" cy="2862322"/>
+          </a:xfrm>
+          <a:prstGeom prst="rect">
+            <a:avLst/>
+          </a:prstGeom>
+          <a:noFill/>
+          <a:ln w="9525">
+            <a:noFill/>
+            <a:miter lim="800000"/>
+            <a:headEnd/>
+            <a:tailEnd/>
+          </a:ln>
+        </p:spPr>
+        <p:txBody>
+          <a:bodyPr>
+            <a:spAutoFit/>
+          </a:bodyPr>
+          <a:lstStyle/>
+          <a:p>
+            <a:pPr marL="342900" indent="-342900">
+              <a:spcBef>
+                <a:spcPct val="50000"/>
+              </a:spcBef>
+            </a:pPr>
+            <a:r>
+              <a:rPr lang="en-US" sz="3600" dirty="0">
+                <a:latin typeface="微软雅黑" pitchFamily="34" charset="-122"/>
+                <a:ea typeface="微软雅黑" pitchFamily="34" charset="-122"/>
+              </a:rPr>
+              <a:t>Project Data</a:t>
+            </a:r>
+          </a:p>
+          <a:p>
+            <a:pPr marL="342900" indent="-342900">
+              <a:spcBef>
+                <a:spcPct val="50000"/>
+              </a:spcBef>
+            </a:pPr>
+            <a:r>
+              <a:rPr lang="en-US" dirty="0">
+                <a:latin typeface="微软雅黑" pitchFamily="34" charset="-122"/>
+                <a:ea typeface="微软雅黑" pitchFamily="34" charset="-122"/>
+              </a:rPr>
+              <a:t>1</a:t>
+            </a:r>
+            <a:r>
+              <a:rPr lang="zh-CN" altLang="en-US" dirty="0">
+                <a:latin typeface="微软雅黑" pitchFamily="34" charset="-122"/>
+                <a:ea typeface="微软雅黑" pitchFamily="34" charset="-122"/>
+              </a:rPr>
+              <a:t>．</a:t>
+            </a:r>
+            <a:r>
+              <a:rPr lang="en-US" altLang="zh-CN" dirty="0">
+                <a:latin typeface="微软雅黑" pitchFamily="34" charset="-122"/>
+                <a:ea typeface="微软雅黑" pitchFamily="34" charset="-122"/>
+              </a:rPr>
+              <a:t>Professional Job Website-----”Indeed”</a:t>
+            </a:r>
+            <a:endParaRPr lang="zh-CN" altLang="en-US" dirty="0">
+              <a:latin typeface="微软雅黑" pitchFamily="34" charset="-122"/>
+              <a:ea typeface="微软雅黑" pitchFamily="34" charset="-122"/>
+            </a:endParaRPr>
+          </a:p>
+          <a:p>
+            <a:pPr marL="342900" indent="-342900">
+              <a:spcBef>
+                <a:spcPct val="50000"/>
+              </a:spcBef>
+            </a:pPr>
+            <a:r>
+              <a:rPr lang="en-US" dirty="0">
+                <a:latin typeface="微软雅黑" pitchFamily="34" charset="-122"/>
+                <a:ea typeface="微软雅黑" pitchFamily="34" charset="-122"/>
+              </a:rPr>
+              <a:t>2</a:t>
+            </a:r>
+            <a:r>
+              <a:rPr lang="zh-CN" altLang="en-US" dirty="0">
+                <a:latin typeface="微软雅黑" pitchFamily="34" charset="-122"/>
+                <a:ea typeface="微软雅黑" pitchFamily="34" charset="-122"/>
+              </a:rPr>
+              <a:t>．</a:t>
+            </a:r>
+            <a:r>
+              <a:rPr lang="en-US" altLang="zh-CN" dirty="0">
+                <a:latin typeface="微软雅黑" pitchFamily="34" charset="-122"/>
+                <a:ea typeface="微软雅黑" pitchFamily="34" charset="-122"/>
+              </a:rPr>
+              <a:t>200 Pages</a:t>
+            </a:r>
+            <a:endParaRPr lang="zh-CN" altLang="en-US" dirty="0">
+              <a:latin typeface="微软雅黑" pitchFamily="34" charset="-122"/>
+              <a:ea typeface="微软雅黑" pitchFamily="34" charset="-122"/>
+            </a:endParaRPr>
+          </a:p>
+          <a:p>
+            <a:pPr marL="342900" indent="-342900">
+              <a:spcBef>
+                <a:spcPct val="50000"/>
+              </a:spcBef>
+            </a:pPr>
+            <a:r>
+              <a:rPr lang="en-US" dirty="0">
+                <a:latin typeface="微软雅黑" pitchFamily="34" charset="-122"/>
+                <a:ea typeface="微软雅黑" pitchFamily="34" charset="-122"/>
+              </a:rPr>
+              <a:t>3</a:t>
+            </a:r>
+            <a:r>
+              <a:rPr lang="zh-CN" altLang="en-US" dirty="0">
+                <a:latin typeface="微软雅黑" pitchFamily="34" charset="-122"/>
+                <a:ea typeface="微软雅黑" pitchFamily="34" charset="-122"/>
+              </a:rPr>
+              <a:t>．</a:t>
+            </a:r>
+            <a:r>
+              <a:rPr lang="en-US" altLang="zh-CN" dirty="0">
+                <a:latin typeface="微软雅黑" pitchFamily="34" charset="-122"/>
+                <a:ea typeface="微软雅黑" pitchFamily="34" charset="-122"/>
+              </a:rPr>
+              <a:t>3000 Post Information</a:t>
+            </a:r>
+            <a:endParaRPr lang="zh-CN" altLang="en-US" dirty="0">
+              <a:latin typeface="微软雅黑" pitchFamily="34" charset="-122"/>
+              <a:ea typeface="微软雅黑" pitchFamily="34" charset="-122"/>
+            </a:endParaRPr>
+          </a:p>
+          <a:p>
+            <a:pPr marL="342900" indent="-342900">
+              <a:spcBef>
+                <a:spcPct val="50000"/>
+              </a:spcBef>
+            </a:pPr>
+            <a:r>
+              <a:rPr lang="en-US" dirty="0">
+                <a:latin typeface="微软雅黑" pitchFamily="34" charset="-122"/>
+                <a:ea typeface="微软雅黑" pitchFamily="34" charset="-122"/>
+              </a:rPr>
+              <a:t>4</a:t>
+            </a:r>
+            <a:r>
+              <a:rPr lang="zh-CN" altLang="en-US" dirty="0">
+                <a:latin typeface="微软雅黑" pitchFamily="34" charset="-122"/>
+                <a:ea typeface="微软雅黑" pitchFamily="34" charset="-122"/>
+              </a:rPr>
+              <a:t>．</a:t>
+            </a:r>
+            <a:r>
+              <a:rPr lang="en-US" altLang="zh-CN" dirty="0">
+                <a:latin typeface="微软雅黑" pitchFamily="34" charset="-122"/>
+                <a:ea typeface="微软雅黑" pitchFamily="34" charset="-122"/>
+              </a:rPr>
+              <a:t>2445 Data</a:t>
+            </a:r>
+            <a:endParaRPr lang="en-US" dirty="0">
+              <a:latin typeface="微软雅黑" pitchFamily="34" charset="-122"/>
+              <a:ea typeface="微软雅黑" pitchFamily="34" charset="-122"/>
+            </a:endParaRPr>
           </a:p>
         </p:txBody>
       </p:sp>
     </p:spTree>
     <p:extLst>
       <p:ext uri="{BB962C8B-B14F-4D97-AF65-F5344CB8AC3E}">
-        <p14:creationId xmlns:p14="http://schemas.microsoft.com/office/powerpoint/2010/main" val="1533257125"/>
+        <p14:creationId xmlns:p14="http://schemas.microsoft.com/office/powerpoint/2010/main" val="2785111853"/>
       </p:ext>
     </p:extLst>
   </p:cSld>
@@ -9794,382 +9191,6 @@
     <a:masterClrMapping/>
   </p:clrMapOvr>
   <p:transition/>
-  <p:timing>
-    <p:tnLst>
-      <p:par>
-        <p:cTn id="1" dur="indefinite" restart="never" nodeType="tmRoot">
-          <p:childTnLst>
-            <p:seq concurrent="1" nextAc="seek">
-              <p:cTn id="2" dur="indefinite" nodeType="mainSeq">
-                <p:childTnLst>
-                  <p:par>
-                    <p:cTn id="3" fill="hold">
-                      <p:stCondLst>
-                        <p:cond delay="indefinite"/>
-                        <p:cond evt="onBegin" delay="0">
-                          <p:tn val="2"/>
-                        </p:cond>
-                      </p:stCondLst>
-                      <p:childTnLst>
-                        <p:par>
-                          <p:cTn id="4" fill="hold">
-                            <p:stCondLst>
-                              <p:cond delay="0"/>
-                            </p:stCondLst>
-                            <p:childTnLst>
-                              <p:par>
-                                <p:cTn id="5" presetID="2" presetClass="entr" presetSubtype="4" fill="hold" grpId="0" nodeType="afterEffect">
-                                  <p:stCondLst>
-                                    <p:cond delay="0"/>
-                                  </p:stCondLst>
-                                  <p:childTnLst>
-                                    <p:set>
-                                      <p:cBhvr>
-                                        <p:cTn id="6" dur="1" fill="hold">
-                                          <p:stCondLst>
-                                            <p:cond delay="0"/>
-                                          </p:stCondLst>
-                                        </p:cTn>
-                                        <p:tgtEl>
-                                          <p:spTgt spid="8220"/>
-                                        </p:tgtEl>
-                                        <p:attrNameLst>
-                                          <p:attrName>style.visibility</p:attrName>
-                                        </p:attrNameLst>
-                                      </p:cBhvr>
-                                      <p:to>
-                                        <p:strVal val="visible"/>
-                                      </p:to>
-                                    </p:set>
-                                    <p:anim calcmode="lin" valueType="num">
-                                      <p:cBhvr additive="base">
-                                        <p:cTn id="7" dur="500" fill="hold"/>
-                                        <p:tgtEl>
-                                          <p:spTgt spid="8220"/>
-                                        </p:tgtEl>
-                                        <p:attrNameLst>
-                                          <p:attrName>ppt_x</p:attrName>
-                                        </p:attrNameLst>
-                                      </p:cBhvr>
-                                      <p:tavLst>
-                                        <p:tav tm="0">
-                                          <p:val>
-                                            <p:strVal val="#ppt_x"/>
-                                          </p:val>
-                                        </p:tav>
-                                        <p:tav tm="100000">
-                                          <p:val>
-                                            <p:strVal val="#ppt_x"/>
-                                          </p:val>
-                                        </p:tav>
-                                      </p:tavLst>
-                                    </p:anim>
-                                    <p:anim calcmode="lin" valueType="num">
-                                      <p:cBhvr additive="base">
-                                        <p:cTn id="8" dur="500" fill="hold"/>
-                                        <p:tgtEl>
-                                          <p:spTgt spid="8220"/>
-                                        </p:tgtEl>
-                                        <p:attrNameLst>
-                                          <p:attrName>ppt_y</p:attrName>
-                                        </p:attrNameLst>
-                                      </p:cBhvr>
-                                      <p:tavLst>
-                                        <p:tav tm="0">
-                                          <p:val>
-                                            <p:strVal val="1+#ppt_h/2"/>
-                                          </p:val>
-                                        </p:tav>
-                                        <p:tav tm="100000">
-                                          <p:val>
-                                            <p:strVal val="#ppt_y"/>
-                                          </p:val>
-                                        </p:tav>
-                                      </p:tavLst>
-                                    </p:anim>
-                                  </p:childTnLst>
-                                </p:cTn>
-                              </p:par>
-                            </p:childTnLst>
-                          </p:cTn>
-                        </p:par>
-                        <p:par>
-                          <p:cTn id="9" fill="hold">
-                            <p:stCondLst>
-                              <p:cond delay="500"/>
-                            </p:stCondLst>
-                            <p:childTnLst>
-                              <p:par>
-                                <p:cTn id="10" presetID="2" presetClass="entr" presetSubtype="4" fill="hold" grpId="0" nodeType="afterEffect">
-                                  <p:stCondLst>
-                                    <p:cond delay="0"/>
-                                  </p:stCondLst>
-                                  <p:childTnLst>
-                                    <p:set>
-                                      <p:cBhvr>
-                                        <p:cTn id="11" dur="1" fill="hold">
-                                          <p:stCondLst>
-                                            <p:cond delay="0"/>
-                                          </p:stCondLst>
-                                        </p:cTn>
-                                        <p:tgtEl>
-                                          <p:spTgt spid="8222"/>
-                                        </p:tgtEl>
-                                        <p:attrNameLst>
-                                          <p:attrName>style.visibility</p:attrName>
-                                        </p:attrNameLst>
-                                      </p:cBhvr>
-                                      <p:to>
-                                        <p:strVal val="visible"/>
-                                      </p:to>
-                                    </p:set>
-                                    <p:anim calcmode="lin" valueType="num">
-                                      <p:cBhvr additive="base">
-                                        <p:cTn id="12" dur="500" fill="hold"/>
-                                        <p:tgtEl>
-                                          <p:spTgt spid="8222"/>
-                                        </p:tgtEl>
-                                        <p:attrNameLst>
-                                          <p:attrName>ppt_x</p:attrName>
-                                        </p:attrNameLst>
-                                      </p:cBhvr>
-                                      <p:tavLst>
-                                        <p:tav tm="0">
-                                          <p:val>
-                                            <p:strVal val="#ppt_x"/>
-                                          </p:val>
-                                        </p:tav>
-                                        <p:tav tm="100000">
-                                          <p:val>
-                                            <p:strVal val="#ppt_x"/>
-                                          </p:val>
-                                        </p:tav>
-                                      </p:tavLst>
-                                    </p:anim>
-                                    <p:anim calcmode="lin" valueType="num">
-                                      <p:cBhvr additive="base">
-                                        <p:cTn id="13" dur="500" fill="hold"/>
-                                        <p:tgtEl>
-                                          <p:spTgt spid="8222"/>
-                                        </p:tgtEl>
-                                        <p:attrNameLst>
-                                          <p:attrName>ppt_y</p:attrName>
-                                        </p:attrNameLst>
-                                      </p:cBhvr>
-                                      <p:tavLst>
-                                        <p:tav tm="0">
-                                          <p:val>
-                                            <p:strVal val="1+#ppt_h/2"/>
-                                          </p:val>
-                                        </p:tav>
-                                        <p:tav tm="100000">
-                                          <p:val>
-                                            <p:strVal val="#ppt_y"/>
-                                          </p:val>
-                                        </p:tav>
-                                      </p:tavLst>
-                                    </p:anim>
-                                  </p:childTnLst>
-                                </p:cTn>
-                              </p:par>
-                            </p:childTnLst>
-                          </p:cTn>
-                        </p:par>
-                        <p:par>
-                          <p:cTn id="14" fill="hold">
-                            <p:stCondLst>
-                              <p:cond delay="1000"/>
-                            </p:stCondLst>
-                            <p:childTnLst>
-                              <p:par>
-                                <p:cTn id="15" presetID="2" presetClass="entr" presetSubtype="4" fill="hold" grpId="0" nodeType="afterEffect">
-                                  <p:stCondLst>
-                                    <p:cond delay="0"/>
-                                  </p:stCondLst>
-                                  <p:childTnLst>
-                                    <p:set>
-                                      <p:cBhvr>
-                                        <p:cTn id="16" dur="1" fill="hold">
-                                          <p:stCondLst>
-                                            <p:cond delay="0"/>
-                                          </p:stCondLst>
-                                        </p:cTn>
-                                        <p:tgtEl>
-                                          <p:spTgt spid="8223"/>
-                                        </p:tgtEl>
-                                        <p:attrNameLst>
-                                          <p:attrName>style.visibility</p:attrName>
-                                        </p:attrNameLst>
-                                      </p:cBhvr>
-                                      <p:to>
-                                        <p:strVal val="visible"/>
-                                      </p:to>
-                                    </p:set>
-                                    <p:anim calcmode="lin" valueType="num">
-                                      <p:cBhvr additive="base">
-                                        <p:cTn id="17" dur="500" fill="hold"/>
-                                        <p:tgtEl>
-                                          <p:spTgt spid="8223"/>
-                                        </p:tgtEl>
-                                        <p:attrNameLst>
-                                          <p:attrName>ppt_x</p:attrName>
-                                        </p:attrNameLst>
-                                      </p:cBhvr>
-                                      <p:tavLst>
-                                        <p:tav tm="0">
-                                          <p:val>
-                                            <p:strVal val="#ppt_x"/>
-                                          </p:val>
-                                        </p:tav>
-                                        <p:tav tm="100000">
-                                          <p:val>
-                                            <p:strVal val="#ppt_x"/>
-                                          </p:val>
-                                        </p:tav>
-                                      </p:tavLst>
-                                    </p:anim>
-                                    <p:anim calcmode="lin" valueType="num">
-                                      <p:cBhvr additive="base">
-                                        <p:cTn id="18" dur="500" fill="hold"/>
-                                        <p:tgtEl>
-                                          <p:spTgt spid="8223"/>
-                                        </p:tgtEl>
-                                        <p:attrNameLst>
-                                          <p:attrName>ppt_y</p:attrName>
-                                        </p:attrNameLst>
-                                      </p:cBhvr>
-                                      <p:tavLst>
-                                        <p:tav tm="0">
-                                          <p:val>
-                                            <p:strVal val="1+#ppt_h/2"/>
-                                          </p:val>
-                                        </p:tav>
-                                        <p:tav tm="100000">
-                                          <p:val>
-                                            <p:strVal val="#ppt_y"/>
-                                          </p:val>
-                                        </p:tav>
-                                      </p:tavLst>
-                                    </p:anim>
-                                  </p:childTnLst>
-                                </p:cTn>
-                              </p:par>
-                            </p:childTnLst>
-                          </p:cTn>
-                        </p:par>
-                        <p:par>
-                          <p:cTn id="19" fill="hold">
-                            <p:stCondLst>
-                              <p:cond delay="1500"/>
-                            </p:stCondLst>
-                            <p:childTnLst>
-                              <p:par>
-                                <p:cTn id="20" presetID="2" presetClass="entr" presetSubtype="4" fill="hold" grpId="0" nodeType="afterEffect">
-                                  <p:stCondLst>
-                                    <p:cond delay="0"/>
-                                  </p:stCondLst>
-                                  <p:childTnLst>
-                                    <p:set>
-                                      <p:cBhvr>
-                                        <p:cTn id="21" dur="1" fill="hold">
-                                          <p:stCondLst>
-                                            <p:cond delay="0"/>
-                                          </p:stCondLst>
-                                        </p:cTn>
-                                        <p:tgtEl>
-                                          <p:spTgt spid="8221"/>
-                                        </p:tgtEl>
-                                        <p:attrNameLst>
-                                          <p:attrName>style.visibility</p:attrName>
-                                        </p:attrNameLst>
-                                      </p:cBhvr>
-                                      <p:to>
-                                        <p:strVal val="visible"/>
-                                      </p:to>
-                                    </p:set>
-                                    <p:anim calcmode="lin" valueType="num">
-                                      <p:cBhvr additive="base">
-                                        <p:cTn id="22" dur="500" fill="hold"/>
-                                        <p:tgtEl>
-                                          <p:spTgt spid="8221"/>
-                                        </p:tgtEl>
-                                        <p:attrNameLst>
-                                          <p:attrName>ppt_x</p:attrName>
-                                        </p:attrNameLst>
-                                      </p:cBhvr>
-                                      <p:tavLst>
-                                        <p:tav tm="0">
-                                          <p:val>
-                                            <p:strVal val="#ppt_x"/>
-                                          </p:val>
-                                        </p:tav>
-                                        <p:tav tm="100000">
-                                          <p:val>
-                                            <p:strVal val="#ppt_x"/>
-                                          </p:val>
-                                        </p:tav>
-                                      </p:tavLst>
-                                    </p:anim>
-                                    <p:anim calcmode="lin" valueType="num">
-                                      <p:cBhvr additive="base">
-                                        <p:cTn id="23" dur="500" fill="hold"/>
-                                        <p:tgtEl>
-                                          <p:spTgt spid="8221"/>
-                                        </p:tgtEl>
-                                        <p:attrNameLst>
-                                          <p:attrName>ppt_y</p:attrName>
-                                        </p:attrNameLst>
-                                      </p:cBhvr>
-                                      <p:tavLst>
-                                        <p:tav tm="0">
-                                          <p:val>
-                                            <p:strVal val="1+#ppt_h/2"/>
-                                          </p:val>
-                                        </p:tav>
-                                        <p:tav tm="100000">
-                                          <p:val>
-                                            <p:strVal val="#ppt_y"/>
-                                          </p:val>
-                                        </p:tav>
-                                      </p:tavLst>
-                                    </p:anim>
-                                  </p:childTnLst>
-                                </p:cTn>
-                              </p:par>
-                            </p:childTnLst>
-                          </p:cTn>
-                        </p:par>
-                      </p:childTnLst>
-                    </p:cTn>
-                  </p:par>
-                </p:childTnLst>
-              </p:cTn>
-              <p:prevCondLst>
-                <p:cond evt="onPrev" delay="0">
-                  <p:tgtEl>
-                    <p:sldTgt/>
-                  </p:tgtEl>
-                </p:cond>
-              </p:prevCondLst>
-              <p:nextCondLst>
-                <p:cond evt="onNext" delay="0">
-                  <p:tgtEl>
-                    <p:sldTgt/>
-                  </p:tgtEl>
-                </p:cond>
-              </p:nextCondLst>
-            </p:seq>
-          </p:childTnLst>
-        </p:cTn>
-      </p:par>
-    </p:tnLst>
-    <p:bldLst>
-      <p:bldP spid="8220" grpId="0" animBg="1" autoUpdateAnimBg="0"/>
-      <p:bldP spid="8221" grpId="0" animBg="1" autoUpdateAnimBg="0"/>
-      <p:bldP spid="8222" grpId="0" animBg="1" autoUpdateAnimBg="0"/>
-      <p:bldP spid="8223" grpId="0" animBg="1" autoUpdateAnimBg="0"/>
-    </p:bldLst>
-  </p:timing>
 </p:sld>
 </file>
 
@@ -11064,7 +10085,7 @@
           <a:noFill/>
           <a:extLst>
             <a:ext uri="{909E8E84-426E-40dd-AFC4-6F175D3DCCD1}">
-              <a14:hiddenFill xmlns:a14="http://schemas.microsoft.com/office/drawing/2010/main" xmlns="">
+              <a14:hiddenFill xmlns="" xmlns:a14="http://schemas.microsoft.com/office/drawing/2010/main">
                 <a:solidFill>
                   <a:srgbClr val="FFFFFF"/>
                 </a:solidFill>
@@ -12222,7 +11243,7 @@
           <a:noFill/>
           <a:extLst>
             <a:ext uri="{909E8E84-426E-40dd-AFC4-6F175D3DCCD1}">
-              <a14:hiddenFill xmlns:a14="http://schemas.microsoft.com/office/drawing/2010/main" xmlns="">
+              <a14:hiddenFill xmlns="" xmlns:a14="http://schemas.microsoft.com/office/drawing/2010/main">
                 <a:solidFill>
                   <a:srgbClr val="FFFFFF"/>
                 </a:solidFill>
@@ -12261,7 +11282,7 @@
           <a:noFill/>
           <a:extLst>
             <a:ext uri="{909E8E84-426E-40dd-AFC4-6F175D3DCCD1}">
-              <a14:hiddenFill xmlns:a14="http://schemas.microsoft.com/office/drawing/2010/main" xmlns="">
+              <a14:hiddenFill xmlns="" xmlns:a14="http://schemas.microsoft.com/office/drawing/2010/main">
                 <a:solidFill>
                   <a:srgbClr val="FFFFFF"/>
                 </a:solidFill>
